--- a/ITProjectManagement/BA/ImageAndResources/006WireframeMVPStudentMobileApp.pptx
+++ b/ITProjectManagement/BA/ImageAndResources/006WireframeMVPStudentMobileApp.pptx
@@ -261,7 +261,7 @@
           <a:p>
             <a:fld id="{5AADDDAE-7CE3-46D2-9A42-840D78A98CAF}" type="datetimeFigureOut">
               <a:rPr lang="en-AU" smtClean="0"/>
-              <a:t>27/06/2022</a:t>
+              <a:t>20/07/2022</a:t>
             </a:fld>
             <a:endParaRPr lang="en-AU"/>
           </a:p>
@@ -431,7 +431,7 @@
           <a:p>
             <a:fld id="{5AADDDAE-7CE3-46D2-9A42-840D78A98CAF}" type="datetimeFigureOut">
               <a:rPr lang="en-AU" smtClean="0"/>
-              <a:t>27/06/2022</a:t>
+              <a:t>20/07/2022</a:t>
             </a:fld>
             <a:endParaRPr lang="en-AU"/>
           </a:p>
@@ -611,7 +611,7 @@
           <a:p>
             <a:fld id="{5AADDDAE-7CE3-46D2-9A42-840D78A98CAF}" type="datetimeFigureOut">
               <a:rPr lang="en-AU" smtClean="0"/>
-              <a:t>27/06/2022</a:t>
+              <a:t>20/07/2022</a:t>
             </a:fld>
             <a:endParaRPr lang="en-AU"/>
           </a:p>
@@ -781,7 +781,7 @@
           <a:p>
             <a:fld id="{5AADDDAE-7CE3-46D2-9A42-840D78A98CAF}" type="datetimeFigureOut">
               <a:rPr lang="en-AU" smtClean="0"/>
-              <a:t>27/06/2022</a:t>
+              <a:t>20/07/2022</a:t>
             </a:fld>
             <a:endParaRPr lang="en-AU"/>
           </a:p>
@@ -1027,7 +1027,7 @@
           <a:p>
             <a:fld id="{5AADDDAE-7CE3-46D2-9A42-840D78A98CAF}" type="datetimeFigureOut">
               <a:rPr lang="en-AU" smtClean="0"/>
-              <a:t>27/06/2022</a:t>
+              <a:t>20/07/2022</a:t>
             </a:fld>
             <a:endParaRPr lang="en-AU"/>
           </a:p>
@@ -1259,7 +1259,7 @@
           <a:p>
             <a:fld id="{5AADDDAE-7CE3-46D2-9A42-840D78A98CAF}" type="datetimeFigureOut">
               <a:rPr lang="en-AU" smtClean="0"/>
-              <a:t>27/06/2022</a:t>
+              <a:t>20/07/2022</a:t>
             </a:fld>
             <a:endParaRPr lang="en-AU"/>
           </a:p>
@@ -1626,7 +1626,7 @@
           <a:p>
             <a:fld id="{5AADDDAE-7CE3-46D2-9A42-840D78A98CAF}" type="datetimeFigureOut">
               <a:rPr lang="en-AU" smtClean="0"/>
-              <a:t>27/06/2022</a:t>
+              <a:t>20/07/2022</a:t>
             </a:fld>
             <a:endParaRPr lang="en-AU"/>
           </a:p>
@@ -1744,7 +1744,7 @@
           <a:p>
             <a:fld id="{5AADDDAE-7CE3-46D2-9A42-840D78A98CAF}" type="datetimeFigureOut">
               <a:rPr lang="en-AU" smtClean="0"/>
-              <a:t>27/06/2022</a:t>
+              <a:t>20/07/2022</a:t>
             </a:fld>
             <a:endParaRPr lang="en-AU"/>
           </a:p>
@@ -1839,7 +1839,7 @@
           <a:p>
             <a:fld id="{5AADDDAE-7CE3-46D2-9A42-840D78A98CAF}" type="datetimeFigureOut">
               <a:rPr lang="en-AU" smtClean="0"/>
-              <a:t>27/06/2022</a:t>
+              <a:t>20/07/2022</a:t>
             </a:fld>
             <a:endParaRPr lang="en-AU"/>
           </a:p>
@@ -2116,7 +2116,7 @@
           <a:p>
             <a:fld id="{5AADDDAE-7CE3-46D2-9A42-840D78A98CAF}" type="datetimeFigureOut">
               <a:rPr lang="en-AU" smtClean="0"/>
-              <a:t>27/06/2022</a:t>
+              <a:t>20/07/2022</a:t>
             </a:fld>
             <a:endParaRPr lang="en-AU"/>
           </a:p>
@@ -2369,7 +2369,7 @@
           <a:p>
             <a:fld id="{5AADDDAE-7CE3-46D2-9A42-840D78A98CAF}" type="datetimeFigureOut">
               <a:rPr lang="en-AU" smtClean="0"/>
-              <a:t>27/06/2022</a:t>
+              <a:t>20/07/2022</a:t>
             </a:fld>
             <a:endParaRPr lang="en-AU"/>
           </a:p>
@@ -2582,7 +2582,7 @@
           <a:p>
             <a:fld id="{5AADDDAE-7CE3-46D2-9A42-840D78A98CAF}" type="datetimeFigureOut">
               <a:rPr lang="en-AU" smtClean="0"/>
-              <a:t>27/06/2022</a:t>
+              <a:t>20/07/2022</a:t>
             </a:fld>
             <a:endParaRPr lang="en-AU"/>
           </a:p>
